--- a/Lecture/Modeling 1/Modeling_1_Lecture.pptx
+++ b/Lecture/Modeling 1/Modeling_1_Lecture.pptx
@@ -323,7 +323,7 @@
               <a:pPr>
                 <a:defRPr/>
               </a:pPr>
-              <a:t>3/5/2019</a:t>
+              <a:t>7/12/2019</a:t>
             </a:fld>
             <a:endParaRPr lang="en-US" dirty="0"/>
           </a:p>
@@ -535,7 +535,7 @@
               <a:pPr>
                 <a:defRPr/>
               </a:pPr>
-              <a:t>3/5/2019</a:t>
+              <a:t>7/12/2019</a:t>
             </a:fld>
             <a:endParaRPr lang="en-US" dirty="0"/>
           </a:p>
@@ -1054,7 +1054,7 @@
               <a:pPr>
                 <a:defRPr/>
               </a:pPr>
-              <a:t>3/5/2019</a:t>
+              <a:t>7/12/2019</a:t>
             </a:fld>
             <a:endParaRPr lang="en-US" dirty="0"/>
           </a:p>
@@ -1244,7 +1244,7 @@
               <a:pPr>
                 <a:defRPr/>
               </a:pPr>
-              <a:t>3/5/2019</a:t>
+              <a:t>7/12/2019</a:t>
             </a:fld>
             <a:endParaRPr lang="en-US" dirty="0"/>
           </a:p>
@@ -1444,7 +1444,7 @@
               <a:pPr>
                 <a:defRPr/>
               </a:pPr>
-              <a:t>3/5/2019</a:t>
+              <a:t>7/12/2019</a:t>
             </a:fld>
             <a:endParaRPr lang="en-US" dirty="0"/>
           </a:p>
@@ -1712,7 +1712,7 @@
               <a:pPr>
                 <a:defRPr/>
               </a:pPr>
-              <a:t>3/5/2019</a:t>
+              <a:t>7/12/2019</a:t>
             </a:fld>
             <a:endParaRPr lang="en-US" dirty="0">
               <a:solidFill>
@@ -1926,7 +1926,7 @@
               <a:pPr>
                 <a:defRPr/>
               </a:pPr>
-              <a:t>3/5/2019</a:t>
+              <a:t>7/12/2019</a:t>
             </a:fld>
             <a:endParaRPr lang="en-US" dirty="0">
               <a:solidFill>
@@ -2217,7 +2217,7 @@
               <a:pPr>
                 <a:defRPr/>
               </a:pPr>
-              <a:t>3/5/2019</a:t>
+              <a:t>7/12/2019</a:t>
             </a:fld>
             <a:endParaRPr lang="en-US" dirty="0">
               <a:solidFill>
@@ -2548,7 +2548,7 @@
               <a:pPr>
                 <a:defRPr/>
               </a:pPr>
-              <a:t>3/5/2019</a:t>
+              <a:t>7/12/2019</a:t>
             </a:fld>
             <a:endParaRPr lang="en-US" dirty="0">
               <a:solidFill>
@@ -3013,7 +3013,7 @@
               <a:pPr>
                 <a:defRPr/>
               </a:pPr>
-              <a:t>3/5/2019</a:t>
+              <a:t>7/12/2019</a:t>
             </a:fld>
             <a:endParaRPr lang="en-US" dirty="0">
               <a:solidFill>
@@ -3176,7 +3176,7 @@
               <a:pPr>
                 <a:defRPr/>
               </a:pPr>
-              <a:t>3/5/2019</a:t>
+              <a:t>7/12/2019</a:t>
             </a:fld>
             <a:endParaRPr lang="en-US" dirty="0">
               <a:solidFill>
@@ -3317,7 +3317,7 @@
               <a:pPr>
                 <a:defRPr/>
               </a:pPr>
-              <a:t>3/5/2019</a:t>
+              <a:t>7/12/2019</a:t>
             </a:fld>
             <a:endParaRPr lang="en-US" dirty="0">
               <a:solidFill>
@@ -3638,7 +3638,7 @@
               <a:pPr>
                 <a:defRPr/>
               </a:pPr>
-              <a:t>3/5/2019</a:t>
+              <a:t>7/12/2019</a:t>
             </a:fld>
             <a:endParaRPr lang="en-US" dirty="0">
               <a:solidFill>
@@ -3846,7 +3846,7 @@
               <a:pPr>
                 <a:defRPr/>
               </a:pPr>
-              <a:t>3/5/2019</a:t>
+              <a:t>7/12/2019</a:t>
             </a:fld>
             <a:endParaRPr lang="en-US" dirty="0"/>
           </a:p>
@@ -4129,7 +4129,7 @@
               <a:pPr>
                 <a:defRPr/>
               </a:pPr>
-              <a:t>3/5/2019</a:t>
+              <a:t>7/12/2019</a:t>
             </a:fld>
             <a:endParaRPr lang="en-US" dirty="0">
               <a:solidFill>
@@ -4343,7 +4343,7 @@
               <a:pPr>
                 <a:defRPr/>
               </a:pPr>
-              <a:t>3/5/2019</a:t>
+              <a:t>7/12/2019</a:t>
             </a:fld>
             <a:endParaRPr lang="en-US" dirty="0">
               <a:solidFill>
@@ -4567,7 +4567,7 @@
               <a:pPr>
                 <a:defRPr/>
               </a:pPr>
-              <a:t>3/5/2019</a:t>
+              <a:t>7/12/2019</a:t>
             </a:fld>
             <a:endParaRPr lang="en-US" dirty="0">
               <a:solidFill>
@@ -4777,7 +4777,7 @@
               <a:pPr>
                 <a:defRPr/>
               </a:pPr>
-              <a:t>3/5/2019</a:t>
+              <a:t>7/12/2019</a:t>
             </a:fld>
             <a:endParaRPr lang="en-US" dirty="0">
               <a:solidFill>
@@ -5054,7 +5054,7 @@
               <a:pPr>
                 <a:defRPr/>
               </a:pPr>
-              <a:t>3/5/2019</a:t>
+              <a:t>7/12/2019</a:t>
             </a:fld>
             <a:endParaRPr lang="en-US" dirty="0"/>
           </a:p>
@@ -5361,7 +5361,7 @@
               <a:pPr>
                 <a:defRPr/>
               </a:pPr>
-              <a:t>3/5/2019</a:t>
+              <a:t>7/12/2019</a:t>
             </a:fld>
             <a:endParaRPr lang="en-US" dirty="0"/>
           </a:p>
@@ -5802,7 +5802,7 @@
               <a:pPr>
                 <a:defRPr/>
               </a:pPr>
-              <a:t>3/5/2019</a:t>
+              <a:t>7/12/2019</a:t>
             </a:fld>
             <a:endParaRPr lang="en-US" dirty="0"/>
           </a:p>
@@ -5941,7 +5941,7 @@
               <a:pPr>
                 <a:defRPr/>
               </a:pPr>
-              <a:t>3/5/2019</a:t>
+              <a:t>7/12/2019</a:t>
             </a:fld>
             <a:endParaRPr lang="en-US" dirty="0"/>
           </a:p>
@@ -6058,7 +6058,7 @@
               <a:pPr>
                 <a:defRPr/>
               </a:pPr>
-              <a:t>3/5/2019</a:t>
+              <a:t>7/12/2019</a:t>
             </a:fld>
             <a:endParaRPr lang="en-US" dirty="0"/>
           </a:p>
@@ -6355,7 +6355,7 @@
               <a:pPr>
                 <a:defRPr/>
               </a:pPr>
-              <a:t>3/5/2019</a:t>
+              <a:t>7/12/2019</a:t>
             </a:fld>
             <a:endParaRPr lang="en-US" dirty="0"/>
           </a:p>
@@ -6632,7 +6632,7 @@
               <a:pPr>
                 <a:defRPr/>
               </a:pPr>
-              <a:t>3/5/2019</a:t>
+              <a:t>7/12/2019</a:t>
             </a:fld>
             <a:endParaRPr lang="en-US" dirty="0"/>
           </a:p>
@@ -6889,7 +6889,7 @@
               <a:pPr>
                 <a:defRPr/>
               </a:pPr>
-              <a:t>3/5/2019</a:t>
+              <a:t>7/12/2019</a:t>
             </a:fld>
             <a:endParaRPr lang="en-US" dirty="0"/>
           </a:p>
@@ -7599,7 +7599,7 @@
               <a:pPr>
                 <a:defRPr/>
               </a:pPr>
-              <a:t>3/5/2019</a:t>
+              <a:t>7/12/2019</a:t>
             </a:fld>
             <a:endParaRPr lang="en-US" dirty="0">
               <a:solidFill>
@@ -23228,8 +23228,8 @@
           <a:noFill/>
         </p:spPr>
       </p:pic>
-      <mc:AlternateContent xmlns:mc="http://schemas.openxmlformats.org/markup-compatibility/2006" xmlns:a14="http://schemas.microsoft.com/office/drawing/2010/main">
-        <mc:Choice Requires="a14">
+      <mc:AlternateContent xmlns:mc="http://schemas.openxmlformats.org/markup-compatibility/2006">
+        <mc:Choice xmlns:a14="http://schemas.microsoft.com/office/drawing/2010/main" Requires="a14">
           <p:sp>
             <p:nvSpPr>
               <p:cNvPr id="9" name="TextBox 8">
@@ -23471,7 +23471,7 @@
                           </a:solidFill>
                           <a:latin typeface="Cambria Math" panose="02040503050406030204" pitchFamily="18" charset="0"/>
                         </a:rPr>
-                        <m:t>=9+1.07</m:t>
+                        <m:t>=9+1.08</m:t>
                       </m:r>
                       <m:sSub>
                         <m:sSubPr>
@@ -23650,7 +23650,7 @@
                         </a:solidFill>
                         <a:latin typeface="Cambria Math" panose="02040503050406030204" pitchFamily="18" charset="0"/>
                       </a:rPr>
-                      <m:t>)=9+1.07</m:t>
+                      <m:t>)=9+1.08</m:t>
                     </m:r>
                     <m:sSub>
                       <m:sSubPr>
@@ -23752,7 +23752,7 @@
             </p:txBody>
           </p:sp>
         </mc:Choice>
-        <mc:Fallback xmlns="">
+        <mc:Fallback>
           <p:sp>
             <p:nvSpPr>
               <p:cNvPr id="9" name="TextBox 8">
@@ -25409,8 +25409,8 @@
           </p:sp>
         </mc:Fallback>
       </mc:AlternateContent>
-      <mc:AlternateContent xmlns:mc="http://schemas.openxmlformats.org/markup-compatibility/2006" xmlns:a14="http://schemas.microsoft.com/office/drawing/2010/main">
-        <mc:Choice Requires="a14">
+      <mc:AlternateContent xmlns:mc="http://schemas.openxmlformats.org/markup-compatibility/2006">
+        <mc:Choice xmlns:a14="http://schemas.microsoft.com/office/drawing/2010/main" Requires="a14">
           <p:sp>
             <p:nvSpPr>
               <p:cNvPr id="4" name="Rectangle 3">
@@ -25479,13 +25479,31 @@
                         <m:t>𝑌</m:t>
                       </m:r>
                       <m:r>
+                        <a:rPr lang="en-US" b="0" i="1" smtClean="0">
+                          <a:solidFill>
+                            <a:schemeClr val="bg1"/>
+                          </a:solidFill>
+                          <a:latin typeface="Cambria Math" panose="02040503050406030204" pitchFamily="18" charset="0"/>
+                        </a:rPr>
+                        <m:t>=8</m:t>
+                      </m:r>
+                      <m:r>
                         <a:rPr lang="en-US" i="1" smtClean="0">
                           <a:solidFill>
                             <a:schemeClr val="bg1"/>
                           </a:solidFill>
                           <a:latin typeface="Cambria Math" panose="02040503050406030204" pitchFamily="18" charset="0"/>
                         </a:rPr>
-                        <m:t>=9+1.07</m:t>
+                        <m:t>+1.0</m:t>
+                      </m:r>
+                      <m:r>
+                        <a:rPr lang="en-US" b="0" i="1" smtClean="0">
+                          <a:solidFill>
+                            <a:schemeClr val="bg1"/>
+                          </a:solidFill>
+                          <a:latin typeface="Cambria Math" panose="02040503050406030204" pitchFamily="18" charset="0"/>
+                        </a:rPr>
+                        <m:t>8</m:t>
                       </m:r>
                       <m:sSub>
                         <m:sSubPr>
@@ -26010,7 +26028,7 @@
             </p:txBody>
           </p:sp>
         </mc:Choice>
-        <mc:Fallback xmlns="">
+        <mc:Fallback>
           <p:sp>
             <p:nvSpPr>
               <p:cNvPr id="4" name="Rectangle 3">
@@ -26954,8 +26972,8 @@
           <a:noFill/>
         </p:spPr>
       </p:pic>
-      <mc:AlternateContent xmlns:mc="http://schemas.openxmlformats.org/markup-compatibility/2006" xmlns:a14="http://schemas.microsoft.com/office/drawing/2010/main">
-        <mc:Choice Requires="a14">
+      <mc:AlternateContent xmlns:mc="http://schemas.openxmlformats.org/markup-compatibility/2006">
+        <mc:Choice xmlns:a14="http://schemas.microsoft.com/office/drawing/2010/main" Requires="a14">
           <p:sp>
             <p:nvSpPr>
               <p:cNvPr id="6" name="TextBox 5">
@@ -27838,7 +27856,7 @@
             </p:txBody>
           </p:sp>
         </mc:Choice>
-        <mc:Fallback xmlns="">
+        <mc:Fallback>
           <p:sp>
             <p:nvSpPr>
               <p:cNvPr id="6" name="TextBox 5">

--- a/Lecture/Modeling 1/Modeling_1_Lecture.pptx
+++ b/Lecture/Modeling 1/Modeling_1_Lecture.pptx
@@ -323,7 +323,7 @@
               <a:pPr>
                 <a:defRPr/>
               </a:pPr>
-              <a:t>7/12/2019</a:t>
+              <a:t>10/21/2019</a:t>
             </a:fld>
             <a:endParaRPr lang="en-US" dirty="0"/>
           </a:p>
@@ -535,7 +535,7 @@
               <a:pPr>
                 <a:defRPr/>
               </a:pPr>
-              <a:t>7/12/2019</a:t>
+              <a:t>10/21/2019</a:t>
             </a:fld>
             <a:endParaRPr lang="en-US" dirty="0"/>
           </a:p>
@@ -1054,7 +1054,7 @@
               <a:pPr>
                 <a:defRPr/>
               </a:pPr>
-              <a:t>7/12/2019</a:t>
+              <a:t>10/21/2019</a:t>
             </a:fld>
             <a:endParaRPr lang="en-US" dirty="0"/>
           </a:p>
@@ -1244,7 +1244,7 @@
               <a:pPr>
                 <a:defRPr/>
               </a:pPr>
-              <a:t>7/12/2019</a:t>
+              <a:t>10/21/2019</a:t>
             </a:fld>
             <a:endParaRPr lang="en-US" dirty="0"/>
           </a:p>
@@ -1444,7 +1444,7 @@
               <a:pPr>
                 <a:defRPr/>
               </a:pPr>
-              <a:t>7/12/2019</a:t>
+              <a:t>10/21/2019</a:t>
             </a:fld>
             <a:endParaRPr lang="en-US" dirty="0"/>
           </a:p>
@@ -1712,7 +1712,7 @@
               <a:pPr>
                 <a:defRPr/>
               </a:pPr>
-              <a:t>7/12/2019</a:t>
+              <a:t>10/21/2019</a:t>
             </a:fld>
             <a:endParaRPr lang="en-US" dirty="0">
               <a:solidFill>
@@ -1926,7 +1926,7 @@
               <a:pPr>
                 <a:defRPr/>
               </a:pPr>
-              <a:t>7/12/2019</a:t>
+              <a:t>10/21/2019</a:t>
             </a:fld>
             <a:endParaRPr lang="en-US" dirty="0">
               <a:solidFill>
@@ -2217,7 +2217,7 @@
               <a:pPr>
                 <a:defRPr/>
               </a:pPr>
-              <a:t>7/12/2019</a:t>
+              <a:t>10/21/2019</a:t>
             </a:fld>
             <a:endParaRPr lang="en-US" dirty="0">
               <a:solidFill>
@@ -2548,7 +2548,7 @@
               <a:pPr>
                 <a:defRPr/>
               </a:pPr>
-              <a:t>7/12/2019</a:t>
+              <a:t>10/21/2019</a:t>
             </a:fld>
             <a:endParaRPr lang="en-US" dirty="0">
               <a:solidFill>
@@ -3013,7 +3013,7 @@
               <a:pPr>
                 <a:defRPr/>
               </a:pPr>
-              <a:t>7/12/2019</a:t>
+              <a:t>10/21/2019</a:t>
             </a:fld>
             <a:endParaRPr lang="en-US" dirty="0">
               <a:solidFill>
@@ -3176,7 +3176,7 @@
               <a:pPr>
                 <a:defRPr/>
               </a:pPr>
-              <a:t>7/12/2019</a:t>
+              <a:t>10/21/2019</a:t>
             </a:fld>
             <a:endParaRPr lang="en-US" dirty="0">
               <a:solidFill>
@@ -3317,7 +3317,7 @@
               <a:pPr>
                 <a:defRPr/>
               </a:pPr>
-              <a:t>7/12/2019</a:t>
+              <a:t>10/21/2019</a:t>
             </a:fld>
             <a:endParaRPr lang="en-US" dirty="0">
               <a:solidFill>
@@ -3638,7 +3638,7 @@
               <a:pPr>
                 <a:defRPr/>
               </a:pPr>
-              <a:t>7/12/2019</a:t>
+              <a:t>10/21/2019</a:t>
             </a:fld>
             <a:endParaRPr lang="en-US" dirty="0">
               <a:solidFill>
@@ -3846,7 +3846,7 @@
               <a:pPr>
                 <a:defRPr/>
               </a:pPr>
-              <a:t>7/12/2019</a:t>
+              <a:t>10/21/2019</a:t>
             </a:fld>
             <a:endParaRPr lang="en-US" dirty="0"/>
           </a:p>
@@ -4129,7 +4129,7 @@
               <a:pPr>
                 <a:defRPr/>
               </a:pPr>
-              <a:t>7/12/2019</a:t>
+              <a:t>10/21/2019</a:t>
             </a:fld>
             <a:endParaRPr lang="en-US" dirty="0">
               <a:solidFill>
@@ -4343,7 +4343,7 @@
               <a:pPr>
                 <a:defRPr/>
               </a:pPr>
-              <a:t>7/12/2019</a:t>
+              <a:t>10/21/2019</a:t>
             </a:fld>
             <a:endParaRPr lang="en-US" dirty="0">
               <a:solidFill>
@@ -4567,7 +4567,7 @@
               <a:pPr>
                 <a:defRPr/>
               </a:pPr>
-              <a:t>7/12/2019</a:t>
+              <a:t>10/21/2019</a:t>
             </a:fld>
             <a:endParaRPr lang="en-US" dirty="0">
               <a:solidFill>
@@ -4777,7 +4777,7 @@
               <a:pPr>
                 <a:defRPr/>
               </a:pPr>
-              <a:t>7/12/2019</a:t>
+              <a:t>10/21/2019</a:t>
             </a:fld>
             <a:endParaRPr lang="en-US" dirty="0">
               <a:solidFill>
@@ -5054,7 +5054,7 @@
               <a:pPr>
                 <a:defRPr/>
               </a:pPr>
-              <a:t>7/12/2019</a:t>
+              <a:t>10/21/2019</a:t>
             </a:fld>
             <a:endParaRPr lang="en-US" dirty="0"/>
           </a:p>
@@ -5361,7 +5361,7 @@
               <a:pPr>
                 <a:defRPr/>
               </a:pPr>
-              <a:t>7/12/2019</a:t>
+              <a:t>10/21/2019</a:t>
             </a:fld>
             <a:endParaRPr lang="en-US" dirty="0"/>
           </a:p>
@@ -5802,7 +5802,7 @@
               <a:pPr>
                 <a:defRPr/>
               </a:pPr>
-              <a:t>7/12/2019</a:t>
+              <a:t>10/21/2019</a:t>
             </a:fld>
             <a:endParaRPr lang="en-US" dirty="0"/>
           </a:p>
@@ -5941,7 +5941,7 @@
               <a:pPr>
                 <a:defRPr/>
               </a:pPr>
-              <a:t>7/12/2019</a:t>
+              <a:t>10/21/2019</a:t>
             </a:fld>
             <a:endParaRPr lang="en-US" dirty="0"/>
           </a:p>
@@ -6058,7 +6058,7 @@
               <a:pPr>
                 <a:defRPr/>
               </a:pPr>
-              <a:t>7/12/2019</a:t>
+              <a:t>10/21/2019</a:t>
             </a:fld>
             <a:endParaRPr lang="en-US" dirty="0"/>
           </a:p>
@@ -6355,7 +6355,7 @@
               <a:pPr>
                 <a:defRPr/>
               </a:pPr>
-              <a:t>7/12/2019</a:t>
+              <a:t>10/21/2019</a:t>
             </a:fld>
             <a:endParaRPr lang="en-US" dirty="0"/>
           </a:p>
@@ -6632,7 +6632,7 @@
               <a:pPr>
                 <a:defRPr/>
               </a:pPr>
-              <a:t>7/12/2019</a:t>
+              <a:t>10/21/2019</a:t>
             </a:fld>
             <a:endParaRPr lang="en-US" dirty="0"/>
           </a:p>
@@ -6889,7 +6889,7 @@
               <a:pPr>
                 <a:defRPr/>
               </a:pPr>
-              <a:t>7/12/2019</a:t>
+              <a:t>10/21/2019</a:t>
             </a:fld>
             <a:endParaRPr lang="en-US" dirty="0"/>
           </a:p>
@@ -7599,7 +7599,7 @@
               <a:pPr>
                 <a:defRPr/>
               </a:pPr>
-              <a:t>7/12/2019</a:t>
+              <a:t>10/21/2019</a:t>
             </a:fld>
             <a:endParaRPr lang="en-US" dirty="0">
               <a:solidFill>
@@ -15044,7 +15044,7 @@
                   <a:schemeClr val="bg1"/>
                 </a:solidFill>
               </a:rPr>
-              <a:t>“All models are wrong, but some are useful”</a:t>
+              <a:t>“All models are wrong, but some are useful.”</a:t>
             </a:r>
           </a:p>
         </p:txBody>
@@ -15085,7 +15085,7 @@
                   <a:schemeClr val="bg1"/>
                 </a:solidFill>
               </a:rPr>
-              <a:t>“The best model is the one you don’t have”</a:t>
+              <a:t>“The best model is the one you don’t have.”</a:t>
             </a:r>
           </a:p>
         </p:txBody>
@@ -15126,7 +15126,7 @@
                   <a:schemeClr val="bg1"/>
                 </a:solidFill>
               </a:rPr>
-              <a:t>“If you can’t be a model, make a model”</a:t>
+              <a:t>“If you can’t be a model, make a model.”</a:t>
             </a:r>
           </a:p>
         </p:txBody>
@@ -23228,8 +23228,8 @@
           <a:noFill/>
         </p:spPr>
       </p:pic>
-      <mc:AlternateContent xmlns:mc="http://schemas.openxmlformats.org/markup-compatibility/2006">
-        <mc:Choice xmlns:a14="http://schemas.microsoft.com/office/drawing/2010/main" Requires="a14">
+      <mc:AlternateContent xmlns:mc="http://schemas.openxmlformats.org/markup-compatibility/2006" xmlns:a14="http://schemas.microsoft.com/office/drawing/2010/main">
+        <mc:Choice Requires="a14">
           <p:sp>
             <p:nvSpPr>
               <p:cNvPr id="9" name="TextBox 8">
@@ -23752,7 +23752,7 @@
             </p:txBody>
           </p:sp>
         </mc:Choice>
-        <mc:Fallback>
+        <mc:Fallback xmlns="">
           <p:sp>
             <p:nvSpPr>
               <p:cNvPr id="9" name="TextBox 8">
@@ -25409,8 +25409,8 @@
           </p:sp>
         </mc:Fallback>
       </mc:AlternateContent>
-      <mc:AlternateContent xmlns:mc="http://schemas.openxmlformats.org/markup-compatibility/2006">
-        <mc:Choice xmlns:a14="http://schemas.microsoft.com/office/drawing/2010/main" Requires="a14">
+      <mc:AlternateContent xmlns:mc="http://schemas.openxmlformats.org/markup-compatibility/2006" xmlns:a14="http://schemas.microsoft.com/office/drawing/2010/main">
+        <mc:Choice Requires="a14">
           <p:sp>
             <p:nvSpPr>
               <p:cNvPr id="4" name="Rectangle 3">
@@ -26028,7 +26028,7 @@
             </p:txBody>
           </p:sp>
         </mc:Choice>
-        <mc:Fallback>
+        <mc:Fallback xmlns="">
           <p:sp>
             <p:nvSpPr>
               <p:cNvPr id="4" name="Rectangle 3">
@@ -27531,7 +27531,7 @@
                       <a:srgbClr val="404040"/>
                     </a:solidFill>
                   </a:rPr>
-                  <a:t>Signal: Helps Us Understand in the Variation in </a:t>
+                  <a:t>Signal: Helps Us Understand  the Variation in </a:t>
                 </a:r>
                 <a14:m>
                   <m:oMath xmlns:m="http://schemas.openxmlformats.org/officeDocument/2006/math">

--- a/Lecture/Modeling 1/Modeling_1_Lecture.pptx
+++ b/Lecture/Modeling 1/Modeling_1_Lecture.pptx
@@ -323,7 +323,7 @@
               <a:pPr>
                 <a:defRPr/>
               </a:pPr>
-              <a:t>10/21/2019</a:t>
+              <a:t>10/25/2019</a:t>
             </a:fld>
             <a:endParaRPr lang="en-US" dirty="0"/>
           </a:p>
@@ -535,7 +535,7 @@
               <a:pPr>
                 <a:defRPr/>
               </a:pPr>
-              <a:t>10/21/2019</a:t>
+              <a:t>10/25/2019</a:t>
             </a:fld>
             <a:endParaRPr lang="en-US" dirty="0"/>
           </a:p>
@@ -1054,7 +1054,7 @@
               <a:pPr>
                 <a:defRPr/>
               </a:pPr>
-              <a:t>10/21/2019</a:t>
+              <a:t>10/25/2019</a:t>
             </a:fld>
             <a:endParaRPr lang="en-US" dirty="0"/>
           </a:p>
@@ -1244,7 +1244,7 @@
               <a:pPr>
                 <a:defRPr/>
               </a:pPr>
-              <a:t>10/21/2019</a:t>
+              <a:t>10/25/2019</a:t>
             </a:fld>
             <a:endParaRPr lang="en-US" dirty="0"/>
           </a:p>
@@ -1444,7 +1444,7 @@
               <a:pPr>
                 <a:defRPr/>
               </a:pPr>
-              <a:t>10/21/2019</a:t>
+              <a:t>10/25/2019</a:t>
             </a:fld>
             <a:endParaRPr lang="en-US" dirty="0"/>
           </a:p>
@@ -1712,7 +1712,7 @@
               <a:pPr>
                 <a:defRPr/>
               </a:pPr>
-              <a:t>10/21/2019</a:t>
+              <a:t>10/25/2019</a:t>
             </a:fld>
             <a:endParaRPr lang="en-US" dirty="0">
               <a:solidFill>
@@ -1926,7 +1926,7 @@
               <a:pPr>
                 <a:defRPr/>
               </a:pPr>
-              <a:t>10/21/2019</a:t>
+              <a:t>10/25/2019</a:t>
             </a:fld>
             <a:endParaRPr lang="en-US" dirty="0">
               <a:solidFill>
@@ -2217,7 +2217,7 @@
               <a:pPr>
                 <a:defRPr/>
               </a:pPr>
-              <a:t>10/21/2019</a:t>
+              <a:t>10/25/2019</a:t>
             </a:fld>
             <a:endParaRPr lang="en-US" dirty="0">
               <a:solidFill>
@@ -2548,7 +2548,7 @@
               <a:pPr>
                 <a:defRPr/>
               </a:pPr>
-              <a:t>10/21/2019</a:t>
+              <a:t>10/25/2019</a:t>
             </a:fld>
             <a:endParaRPr lang="en-US" dirty="0">
               <a:solidFill>
@@ -3013,7 +3013,7 @@
               <a:pPr>
                 <a:defRPr/>
               </a:pPr>
-              <a:t>10/21/2019</a:t>
+              <a:t>10/25/2019</a:t>
             </a:fld>
             <a:endParaRPr lang="en-US" dirty="0">
               <a:solidFill>
@@ -3176,7 +3176,7 @@
               <a:pPr>
                 <a:defRPr/>
               </a:pPr>
-              <a:t>10/21/2019</a:t>
+              <a:t>10/25/2019</a:t>
             </a:fld>
             <a:endParaRPr lang="en-US" dirty="0">
               <a:solidFill>
@@ -3317,7 +3317,7 @@
               <a:pPr>
                 <a:defRPr/>
               </a:pPr>
-              <a:t>10/21/2019</a:t>
+              <a:t>10/25/2019</a:t>
             </a:fld>
             <a:endParaRPr lang="en-US" dirty="0">
               <a:solidFill>
@@ -3638,7 +3638,7 @@
               <a:pPr>
                 <a:defRPr/>
               </a:pPr>
-              <a:t>10/21/2019</a:t>
+              <a:t>10/25/2019</a:t>
             </a:fld>
             <a:endParaRPr lang="en-US" dirty="0">
               <a:solidFill>
@@ -3846,7 +3846,7 @@
               <a:pPr>
                 <a:defRPr/>
               </a:pPr>
-              <a:t>10/21/2019</a:t>
+              <a:t>10/25/2019</a:t>
             </a:fld>
             <a:endParaRPr lang="en-US" dirty="0"/>
           </a:p>
@@ -4129,7 +4129,7 @@
               <a:pPr>
                 <a:defRPr/>
               </a:pPr>
-              <a:t>10/21/2019</a:t>
+              <a:t>10/25/2019</a:t>
             </a:fld>
             <a:endParaRPr lang="en-US" dirty="0">
               <a:solidFill>
@@ -4343,7 +4343,7 @@
               <a:pPr>
                 <a:defRPr/>
               </a:pPr>
-              <a:t>10/21/2019</a:t>
+              <a:t>10/25/2019</a:t>
             </a:fld>
             <a:endParaRPr lang="en-US" dirty="0">
               <a:solidFill>
@@ -4567,7 +4567,7 @@
               <a:pPr>
                 <a:defRPr/>
               </a:pPr>
-              <a:t>10/21/2019</a:t>
+              <a:t>10/25/2019</a:t>
             </a:fld>
             <a:endParaRPr lang="en-US" dirty="0">
               <a:solidFill>
@@ -4777,7 +4777,7 @@
               <a:pPr>
                 <a:defRPr/>
               </a:pPr>
-              <a:t>10/21/2019</a:t>
+              <a:t>10/25/2019</a:t>
             </a:fld>
             <a:endParaRPr lang="en-US" dirty="0">
               <a:solidFill>
@@ -5054,7 +5054,7 @@
               <a:pPr>
                 <a:defRPr/>
               </a:pPr>
-              <a:t>10/21/2019</a:t>
+              <a:t>10/25/2019</a:t>
             </a:fld>
             <a:endParaRPr lang="en-US" dirty="0"/>
           </a:p>
@@ -5361,7 +5361,7 @@
               <a:pPr>
                 <a:defRPr/>
               </a:pPr>
-              <a:t>10/21/2019</a:t>
+              <a:t>10/25/2019</a:t>
             </a:fld>
             <a:endParaRPr lang="en-US" dirty="0"/>
           </a:p>
@@ -5802,7 +5802,7 @@
               <a:pPr>
                 <a:defRPr/>
               </a:pPr>
-              <a:t>10/21/2019</a:t>
+              <a:t>10/25/2019</a:t>
             </a:fld>
             <a:endParaRPr lang="en-US" dirty="0"/>
           </a:p>
@@ -5941,7 +5941,7 @@
               <a:pPr>
                 <a:defRPr/>
               </a:pPr>
-              <a:t>10/21/2019</a:t>
+              <a:t>10/25/2019</a:t>
             </a:fld>
             <a:endParaRPr lang="en-US" dirty="0"/>
           </a:p>
@@ -6058,7 +6058,7 @@
               <a:pPr>
                 <a:defRPr/>
               </a:pPr>
-              <a:t>10/21/2019</a:t>
+              <a:t>10/25/2019</a:t>
             </a:fld>
             <a:endParaRPr lang="en-US" dirty="0"/>
           </a:p>
@@ -6355,7 +6355,7 @@
               <a:pPr>
                 <a:defRPr/>
               </a:pPr>
-              <a:t>10/21/2019</a:t>
+              <a:t>10/25/2019</a:t>
             </a:fld>
             <a:endParaRPr lang="en-US" dirty="0"/>
           </a:p>
@@ -6632,7 +6632,7 @@
               <a:pPr>
                 <a:defRPr/>
               </a:pPr>
-              <a:t>10/21/2019</a:t>
+              <a:t>10/25/2019</a:t>
             </a:fld>
             <a:endParaRPr lang="en-US" dirty="0"/>
           </a:p>
@@ -6889,7 +6889,7 @@
               <a:pPr>
                 <a:defRPr/>
               </a:pPr>
-              <a:t>10/21/2019</a:t>
+              <a:t>10/25/2019</a:t>
             </a:fld>
             <a:endParaRPr lang="en-US" dirty="0"/>
           </a:p>
@@ -7599,7 +7599,7 @@
               <a:pPr>
                 <a:defRPr/>
               </a:pPr>
-              <a:t>10/21/2019</a:t>
+              <a:t>10/25/2019</a:t>
             </a:fld>
             <a:endParaRPr lang="en-US" dirty="0">
               <a:solidFill>
@@ -26972,8 +26972,8 @@
           <a:noFill/>
         </p:spPr>
       </p:pic>
-      <mc:AlternateContent xmlns:mc="http://schemas.openxmlformats.org/markup-compatibility/2006">
-        <mc:Choice xmlns:a14="http://schemas.microsoft.com/office/drawing/2010/main" Requires="a14">
+      <mc:AlternateContent xmlns:mc="http://schemas.openxmlformats.org/markup-compatibility/2006" xmlns:a14="http://schemas.microsoft.com/office/drawing/2010/main">
+        <mc:Choice Requires="a14">
           <p:sp>
             <p:nvSpPr>
               <p:cNvPr id="6" name="TextBox 5">
@@ -27856,7 +27856,7 @@
             </p:txBody>
           </p:sp>
         </mc:Choice>
-        <mc:Fallback>
+        <mc:Fallback xmlns="">
           <p:sp>
             <p:nvSpPr>
               <p:cNvPr id="6" name="TextBox 5">
@@ -29728,8 +29728,8 @@
           <a:noFill/>
         </p:spPr>
       </p:pic>
-      <mc:AlternateContent xmlns:mc="http://schemas.openxmlformats.org/markup-compatibility/2006" xmlns:a14="http://schemas.microsoft.com/office/drawing/2010/main">
-        <mc:Choice Requires="a14">
+      <mc:AlternateContent xmlns:mc="http://schemas.openxmlformats.org/markup-compatibility/2006">
+        <mc:Choice xmlns:a14="http://schemas.microsoft.com/office/drawing/2010/main" Requires="a14">
           <p:sp>
             <p:nvSpPr>
               <p:cNvPr id="6" name="TextBox 5">
@@ -30762,7 +30762,7 @@
                             <a:latin typeface="Cambria Math" panose="02040503050406030204" pitchFamily="18" charset="0"/>
                             <a:ea typeface="Cambria Math" panose="02040503050406030204" pitchFamily="18" charset="0"/>
                           </a:rPr>
-                          <m:t>𝑘</m:t>
+                          <m:t>1</m:t>
                         </m:r>
                       </m:sub>
                     </m:sSub>
@@ -30823,7 +30823,7 @@
             </p:txBody>
           </p:sp>
         </mc:Choice>
-        <mc:Fallback xmlns="">
+        <mc:Fallback>
           <p:sp>
             <p:nvSpPr>
               <p:cNvPr id="6" name="TextBox 5">
